--- a/Final prezentácia.pptx
+++ b/Final prezentácia.pptx
@@ -108,6 +108,11 @@
       </a:defRPr>
     </a:lvl9pPr>
   </p:defaultTextStyle>
+  <p:extLst>
+    <p:ext uri="{EFAFB233-063F-42B5-8137-9DF3F51BA10A}">
+      <p15:sldGuideLst xmlns:p15="http://schemas.microsoft.com/office/powerpoint/2012/main"/>
+    </p:ext>
+  </p:extLst>
 </p:presentation>
 </file>
 
@@ -3854,12 +3859,16 @@
               <a:t>-&gt; AWS -&gt; PostgreSQL … </a:t>
             </a:r>
             <a:r>
-              <a:rPr lang="en-US" dirty="0" err="1"/>
-              <a:t>Ocr</a:t>
+              <a:rPr lang="sk-SK"/>
+              <a:t>OCR</a:t>
+            </a:r>
+            <a:r>
+              <a:rPr lang="en-US"/>
+              <a:t> </a:t>
             </a:r>
             <a:r>
               <a:rPr lang="en-US" dirty="0"/>
-              <a:t> -&gt; Excel -&gt; csv -&gt; DB</a:t>
+              <a:t>-&gt; Excel -&gt; csv -&gt; DB</a:t>
             </a:r>
           </a:p>
           <a:p>
